--- a/reports/2016/SAB/swift-miccom-poster.pptx
+++ b/reports/2016/SAB/swift-miccom-poster.pptx
@@ -3594,43 +3594,6 @@
       </p:sp>
       <p:sp>
         <p:nvSpPr>
-          <p:cNvPr id="7" name="Rectangle 97"/>
-          <p:cNvSpPr>
-            <a:spLocks noChangeArrowheads="1"/>
-          </p:cNvSpPr>
-          <p:nvPr/>
-        </p:nvSpPr>
-        <p:spPr bwMode="auto">
-          <a:xfrm>
-            <a:off x="9780984" y="17917017"/>
-            <a:ext cx="20574000" cy="1179810"/>
-          </a:xfrm>
-          <a:prstGeom prst="rect">
-            <a:avLst/>
-          </a:prstGeom>
-          <a:noFill/>
-          <a:ln w="12700">
-            <a:noFill/>
-            <a:miter lim="800000"/>
-            <a:headEnd type="none" w="sm" len="sm"/>
-            <a:tailEnd type="none" w="sm" len="sm"/>
-          </a:ln>
-        </p:spPr>
-        <p:txBody>
-          <a:bodyPr lIns="76197" tIns="38098" rIns="76197" bIns="38098">
-            <a:prstTxWarp prst="textNoShape">
-              <a:avLst/>
-            </a:prstTxWarp>
-            <a:spAutoFit/>
-          </a:bodyPr>
-          <a:lstStyle/>
-          <a:p>
-            <a:endParaRPr lang="en-US"/>
-          </a:p>
-        </p:txBody>
-      </p:sp>
-      <p:sp>
-        <p:nvSpPr>
           <p:cNvPr id="362" name="TextBox 361"/>
           <p:cNvSpPr txBox="1"/>
           <p:nvPr/>
@@ -3737,196 +3700,124 @@
               </a:rPr>
             </a:br>
             <a:r>
+              <a:rPr lang="en-US" sz="4500" b="1" dirty="0" smtClean="0">
+                <a:solidFill>
+                  <a:srgbClr val="1F497D"/>
+                </a:solidFill>
+              </a:rPr>
+              <a:t>Justin M. Wozniak &lt;wozniak@mcs.anl.gov&gt;,</a:t>
+            </a:r>
+            <a:r>
+              <a:rPr lang="en-US" sz="4500" b="1" baseline="30000" dirty="0" smtClean="0">
+                <a:solidFill>
+                  <a:srgbClr val="1F497D"/>
+                </a:solidFill>
+              </a:rPr>
+              <a:t>12</a:t>
+            </a:r>
+            <a:r>
+              <a:rPr lang="en-US" sz="4500" b="1" dirty="0" smtClean="0">
+                <a:solidFill>
+                  <a:srgbClr val="1F497D"/>
+                </a:solidFill>
+              </a:rPr>
+              <a:t> Andreas Wilke,</a:t>
+            </a:r>
+            <a:r>
+              <a:rPr lang="en-US" sz="4500" b="1" baseline="30000" dirty="0" smtClean="0">
+                <a:solidFill>
+                  <a:srgbClr val="1F497D"/>
+                </a:solidFill>
+              </a:rPr>
+              <a:t>1</a:t>
+            </a:r>
+            <a:r>
+              <a:rPr lang="en-US" sz="4500" b="1" dirty="0" smtClean="0">
+                <a:solidFill>
+                  <a:srgbClr val="1F497D"/>
+                </a:solidFill>
+              </a:rPr>
+              <a:t> Nicola Ferrier,</a:t>
+            </a:r>
+            <a:r>
+              <a:rPr lang="en-US" sz="4500" b="1" baseline="30000" dirty="0" smtClean="0">
+                <a:solidFill>
+                  <a:srgbClr val="1F497D"/>
+                </a:solidFill>
+              </a:rPr>
+              <a:t>12</a:t>
+            </a:r>
+            <a:endParaRPr lang="en-US" sz="4500" b="1" dirty="0" smtClean="0">
+              <a:solidFill>
+                <a:srgbClr val="1F497D"/>
+              </a:solidFill>
+            </a:endParaRPr>
+          </a:p>
+          <a:p>
+            <a:pPr marL="289548" indent="-285739" algn="ctr">
+              <a:lnSpc>
+                <a:spcPct val="90000"/>
+              </a:lnSpc>
+            </a:pPr>
+            <a:r>
+              <a:rPr lang="en-US" sz="4500" b="1" dirty="0" smtClean="0">
+                <a:solidFill>
+                  <a:srgbClr val="1F497D"/>
+                </a:solidFill>
+              </a:rPr>
+              <a:t>Daniel Reid,</a:t>
+            </a:r>
+            <a:r>
+              <a:rPr lang="en-US" sz="4500" b="1" baseline="30000" dirty="0" smtClean="0">
+                <a:solidFill>
+                  <a:srgbClr val="1F497D"/>
+                </a:solidFill>
+              </a:rPr>
+              <a:t>2</a:t>
+            </a:r>
+            <a:r>
+              <a:rPr lang="en-US" sz="4500" b="1" dirty="0" smtClean="0">
+                <a:solidFill>
+                  <a:srgbClr val="1F497D"/>
+                </a:solidFill>
+              </a:rPr>
+              <a:t> and Sidney Nagel</a:t>
+            </a:r>
+            <a:r>
+              <a:rPr lang="en-US" sz="4500" b="1" baseline="30000" dirty="0" smtClean="0">
+                <a:solidFill>
+                  <a:srgbClr val="1F497D"/>
+                </a:solidFill>
+              </a:rPr>
+              <a:t>2</a:t>
+            </a:r>
+            <a:endParaRPr lang="en-US" sz="4500" b="1" dirty="0" smtClean="0">
+              <a:solidFill>
+                <a:srgbClr val="1F497D"/>
+              </a:solidFill>
+            </a:endParaRPr>
+          </a:p>
+          <a:p>
+            <a:pPr marL="289548" indent="-285739" algn="ctr">
+              <a:lnSpc>
+                <a:spcPct val="90000"/>
+              </a:lnSpc>
+            </a:pPr>
+            <a:r>
+              <a:rPr lang="en-US" sz="4500" b="1" dirty="0" smtClean="0">
+                <a:solidFill>
+                  <a:srgbClr val="1F497D"/>
+                </a:solidFill>
+              </a:rPr>
+              <a:t>1: Argonne National Laboratory 2: University of Chicago</a:t>
+            </a:r>
+            <a:r>
               <a:rPr lang="en-US" sz="4500" dirty="0" smtClean="0">
                 <a:solidFill>
                   <a:srgbClr val="1F497D"/>
                 </a:solidFill>
               </a:rPr>
-              <a:t>Justin M. </a:t>
-            </a:r>
-            <a:r>
-              <a:rPr lang="en-US" sz="4500" dirty="0" smtClean="0">
-                <a:solidFill>
-                  <a:srgbClr val="1F497D"/>
-                </a:solidFill>
-              </a:rPr>
-              <a:t>Wozniak </a:t>
-            </a:r>
-            <a:r>
-              <a:rPr lang="en-US" sz="4500" dirty="0" smtClean="0">
-                <a:solidFill>
-                  <a:srgbClr val="1F497D"/>
-                </a:solidFill>
-              </a:rPr>
-              <a:t>&lt;wozniak@mcs.anl.gov</a:t>
-            </a:r>
-            <a:r>
-              <a:rPr lang="en-US" sz="4500" dirty="0" smtClean="0">
-                <a:solidFill>
-                  <a:srgbClr val="1F497D"/>
-                </a:solidFill>
-              </a:rPr>
-              <a:t>&gt;,</a:t>
-            </a:r>
-            <a:r>
-              <a:rPr lang="en-US" sz="4500" baseline="30000" dirty="0" smtClean="0">
-                <a:solidFill>
-                  <a:srgbClr val="1F497D"/>
-                </a:solidFill>
-              </a:rPr>
-              <a:t>12</a:t>
-            </a:r>
-            <a:r>
-              <a:rPr lang="en-US" sz="4500" dirty="0" smtClean="0">
-                <a:solidFill>
-                  <a:srgbClr val="1F497D"/>
-                </a:solidFill>
-              </a:rPr>
-              <a:t> </a:t>
-            </a:r>
-            <a:r>
-              <a:rPr lang="en-US" sz="4500" dirty="0" smtClean="0">
-                <a:solidFill>
-                  <a:srgbClr val="1F497D"/>
-                </a:solidFill>
-              </a:rPr>
-              <a:t>Andreas Wilke</a:t>
-            </a:r>
-            <a:r>
-              <a:rPr lang="en-US" sz="4500" dirty="0" smtClean="0">
-                <a:solidFill>
-                  <a:srgbClr val="1F497D"/>
-                </a:solidFill>
-              </a:rPr>
-              <a:t>,</a:t>
-            </a:r>
-            <a:r>
-              <a:rPr lang="en-US" sz="4500" baseline="30000" dirty="0" smtClean="0">
-                <a:solidFill>
-                  <a:srgbClr val="1F497D"/>
-                </a:solidFill>
-              </a:rPr>
-              <a:t>1</a:t>
-            </a:r>
-            <a:r>
-              <a:rPr lang="en-US" sz="4500" dirty="0" smtClean="0">
-                <a:solidFill>
-                  <a:srgbClr val="1F497D"/>
-                </a:solidFill>
-              </a:rPr>
-              <a:t> Nicola Ferrier,</a:t>
-            </a:r>
-            <a:r>
-              <a:rPr lang="en-US" sz="4500" baseline="30000" dirty="0" smtClean="0">
-                <a:solidFill>
-                  <a:srgbClr val="1F497D"/>
-                </a:solidFill>
-              </a:rPr>
-              <a:t>12</a:t>
-            </a:r>
-            <a:endParaRPr lang="en-US" sz="4500" dirty="0" smtClean="0">
-              <a:solidFill>
-                <a:srgbClr val="1F497D"/>
-              </a:solidFill>
-            </a:endParaRPr>
-          </a:p>
-          <a:p>
-            <a:pPr marL="289548" indent="-285739" algn="ctr">
-              <a:lnSpc>
-                <a:spcPct val="90000"/>
-              </a:lnSpc>
-            </a:pPr>
-            <a:r>
-              <a:rPr lang="en-US" sz="4500" dirty="0" smtClean="0">
-                <a:solidFill>
-                  <a:srgbClr val="1F497D"/>
-                </a:solidFill>
-              </a:rPr>
-              <a:t>Daniel </a:t>
-            </a:r>
-            <a:r>
-              <a:rPr lang="en-US" sz="4500" dirty="0" smtClean="0">
-                <a:solidFill>
-                  <a:srgbClr val="1F497D"/>
-                </a:solidFill>
-              </a:rPr>
-              <a:t>Reid,</a:t>
-            </a:r>
-            <a:r>
-              <a:rPr lang="en-US" sz="4500" baseline="30000" dirty="0" smtClean="0">
-                <a:solidFill>
-                  <a:srgbClr val="1F497D"/>
-                </a:solidFill>
-              </a:rPr>
-              <a:t>2</a:t>
-            </a:r>
-            <a:r>
-              <a:rPr lang="en-US" sz="4500" dirty="0" smtClean="0">
-                <a:solidFill>
-                  <a:srgbClr val="1F497D"/>
-                </a:solidFill>
-              </a:rPr>
-              <a:t> </a:t>
-            </a:r>
-            <a:r>
-              <a:rPr lang="en-US" sz="4500" dirty="0" smtClean="0">
-                <a:solidFill>
-                  <a:srgbClr val="1F497D"/>
-                </a:solidFill>
-              </a:rPr>
-              <a:t>and </a:t>
-            </a:r>
-            <a:r>
-              <a:rPr lang="en-US" sz="4500" dirty="0" smtClean="0">
-                <a:solidFill>
-                  <a:srgbClr val="1F497D"/>
-                </a:solidFill>
-              </a:rPr>
-              <a:t>Sidney Nagel</a:t>
-            </a:r>
-            <a:r>
-              <a:rPr lang="en-US" sz="4500" baseline="30000" dirty="0" smtClean="0">
-                <a:solidFill>
-                  <a:srgbClr val="1F497D"/>
-                </a:solidFill>
-              </a:rPr>
-              <a:t>2</a:t>
-            </a:r>
-            <a:endParaRPr lang="en-US" sz="4500" dirty="0" smtClean="0">
-              <a:solidFill>
-                <a:srgbClr val="1F497D"/>
-              </a:solidFill>
-            </a:endParaRPr>
-          </a:p>
-          <a:p>
-            <a:pPr marL="289548" indent="-285739" algn="ctr">
-              <a:lnSpc>
-                <a:spcPct val="90000"/>
-              </a:lnSpc>
-            </a:pPr>
-            <a:r>
-              <a:rPr lang="en-US" sz="4500" dirty="0" smtClean="0">
-                <a:solidFill>
-                  <a:srgbClr val="1F497D"/>
-                </a:solidFill>
-              </a:rPr>
-              <a:t>1: Argonne National Laboratory 2: </a:t>
-            </a:r>
-            <a:r>
-              <a:rPr lang="en-US" sz="4500" dirty="0" smtClean="0">
-                <a:solidFill>
-                  <a:srgbClr val="1F497D"/>
-                </a:solidFill>
-              </a:rPr>
-              <a:t>University </a:t>
-            </a:r>
-            <a:r>
-              <a:rPr lang="en-US" sz="4500" dirty="0" smtClean="0">
-                <a:solidFill>
-                  <a:srgbClr val="1F497D"/>
-                </a:solidFill>
-              </a:rPr>
-              <a:t>of Chicago</a:t>
+              <a:t/>
             </a:r>
             <a:br>
               <a:rPr lang="en-US" sz="4500" dirty="0" smtClean="0">
@@ -3984,15 +3875,7 @@
             <a:pPr algn="ctr"/>
             <a:r>
               <a:rPr lang="en-US" sz="4000" dirty="0" smtClean="0"/>
-              <a:t>Midwest Center fo</a:t>
-            </a:r>
-            <a:r>
-              <a:rPr lang="en-US" sz="4000" dirty="0" smtClean="0"/>
-              <a:t>r Computational Materials (</a:t>
-            </a:r>
-            <a:r>
-              <a:rPr lang="en-US" sz="4000" dirty="0" smtClean="0"/>
-              <a:t>MICCoM) Scientific Advisory Board Meeting, October 18 &amp; 19, 2016</a:t>
+              <a:t>Midwest Center for Computational Materials (MICCoM) Scientific Advisory Board Meeting, October 18 &amp; 19, 2016</a:t>
             </a:r>
             <a:endParaRPr lang="en-GB" sz="4000" dirty="0"/>
           </a:p>
@@ -4218,7 +4101,7 @@
         <p:spPr>
           <a:xfrm>
             <a:off x="13720843" y="6440713"/>
-            <a:ext cx="13187917" cy="18933887"/>
+            <a:ext cx="13187917" cy="20305487"/>
           </a:xfrm>
           <a:prstGeom prst="roundRect">
             <a:avLst>
@@ -4248,7 +4131,11 @@
           <a:lstStyle/>
           <a:p>
             <a:pPr algn="ctr"/>
-            <a:endParaRPr lang="en-US"/>
+            <a:r>
+              <a:rPr lang="en-US" dirty="0" smtClean="0"/>
+              <a:t>Example system</a:t>
+            </a:r>
+            <a:endParaRPr lang="en-US" dirty="0"/>
           </a:p>
         </p:txBody>
       </p:sp>
@@ -4578,13 +4465,12 @@
             </a:r>
             <a:r>
               <a:rPr lang="en-US" sz="3200" dirty="0" smtClean="0"/>
-              <a:t>language</a:t>
+              <a:t>language </a:t>
             </a:r>
             <a:r>
               <a:rPr lang="en-US" sz="3200" dirty="0" smtClean="0"/>
-              <a:t>. [1,2]</a:t>
-            </a:r>
-            <a:endParaRPr lang="en-US" sz="3200" dirty="0" smtClean="0"/>
+              <a:t>[1,2]</a:t>
+            </a:r>
           </a:p>
           <a:p>
             <a:endParaRPr lang="en-US" sz="3200" dirty="0"/>
@@ -4596,11 +4482,7 @@
             </a:pPr>
             <a:r>
               <a:rPr lang="en-US" sz="3200" dirty="0" smtClean="0"/>
-              <a:t>Here</a:t>
-            </a:r>
-            <a:r>
-              <a:rPr lang="en-US" sz="3200" dirty="0" smtClean="0"/>
-              <a:t>, </a:t>
+              <a:t>Here, </a:t>
             </a:r>
             <a:r>
               <a:rPr lang="en-US" sz="3200" dirty="0"/>
@@ -4608,9 +4490,16 @@
             </a:r>
             <a:r>
               <a:rPr lang="en-US" sz="3200" dirty="0" smtClean="0"/>
-              <a:t>applied the Swift/T language implementation and runtime to multiple problems relevant to MICCoM</a:t>
-            </a:r>
-            <a:endParaRPr lang="en-US" sz="3200" dirty="0" smtClean="0"/>
+              <a:t>applied the Swift/T language implementation and runtime to </a:t>
+            </a:r>
+            <a:r>
+              <a:rPr lang="en-US" sz="3200" dirty="0" smtClean="0"/>
+              <a:t>an example problem </a:t>
+            </a:r>
+            <a:r>
+              <a:rPr lang="en-US" sz="3200" dirty="0" smtClean="0"/>
+              <a:t>relevant to MICCoM</a:t>
+            </a:r>
           </a:p>
           <a:p>
             <a:pPr marL="457200" indent="-457200">
@@ -4626,30 +4515,18 @@
             </a:pPr>
             <a:r>
               <a:rPr lang="en-US" sz="3200" dirty="0" smtClean="0"/>
-              <a:t>Swift/K </a:t>
-            </a:r>
-            <a:r>
-              <a:rPr lang="en-US" sz="3200" dirty="0" smtClean="0"/>
-              <a:t>was previously implemented as a workflow language </a:t>
-            </a:r>
-            <a:r>
-              <a:rPr lang="en-US" sz="3200" dirty="0" smtClean="0"/>
-              <a:t/>
+              <a:t>Swift/K was previously implemented as a workflow language </a:t>
             </a:r>
             <a:br>
               <a:rPr lang="en-US" sz="3200" dirty="0" smtClean="0"/>
             </a:br>
             <a:r>
               <a:rPr lang="en-US" sz="3200" dirty="0" smtClean="0"/>
-              <a:t>(</a:t>
+              <a:t>(c. 2007) for distributed computing (grids, clouds, etc.). The current implementation (Swift/T) is designed for </a:t>
             </a:r>
             <a:r>
               <a:rPr lang="en-US" sz="3200" dirty="0" smtClean="0"/>
-              <a:t>c. 2007) for distributed computing (grids, clouds, etc.). </a:t>
-            </a:r>
-            <a:r>
-              <a:rPr lang="en-US" sz="3200" dirty="0" smtClean="0"/>
-              <a:t>The current implementation (Swift/T) is designed for HPC.</a:t>
+              <a:t>HPC</a:t>
             </a:r>
             <a:endParaRPr lang="en-US" sz="3200" dirty="0"/>
           </a:p>
@@ -4691,7 +4568,6 @@
               <a:rPr lang="en-US" sz="3200" dirty="0" smtClean="0"/>
               <a:t>many different application codes - in many different languages – into one in-memory workflow [3]</a:t>
             </a:r>
-            <a:endParaRPr lang="en-US" sz="3200" dirty="0" smtClean="0"/>
           </a:p>
           <a:p>
             <a:endParaRPr lang="en-US" sz="3200" dirty="0" smtClean="0"/>
@@ -4720,13 +4596,8 @@
             </a:pPr>
             <a:r>
               <a:rPr lang="en-US" sz="3200" dirty="0" smtClean="0"/>
-              <a:t>State (including threads) can be left </a:t>
-            </a:r>
-            <a:r>
-              <a:rPr lang="en-US" sz="3200" dirty="0" smtClean="0"/>
-              <a:t>on a worker and accessed later</a:t>
-            </a:r>
-            <a:endParaRPr lang="en-US" sz="3200" dirty="0" smtClean="0"/>
+              <a:t>State (including threads) can be left on a worker and accessed later</a:t>
+            </a:r>
           </a:p>
           <a:p>
             <a:pPr marL="457200" indent="-457200">
@@ -4763,8 +4634,24 @@
               <a:buChar char="•"/>
             </a:pPr>
             <a:r>
+              <a:rPr lang="en-US" sz="3200" dirty="0" smtClean="0"/>
+              <a:t>New Swift/T w</a:t>
+            </a:r>
+            <a:r>
+              <a:rPr lang="en-US" sz="3200" dirty="0" smtClean="0"/>
+              <a:t>orkflow </a:t>
+            </a:r>
+            <a:r>
               <a:rPr lang="en-US" sz="3200" dirty="0"/>
-              <a:t>Workflow to automatically optimize materials design problem</a:t>
+              <a:t>to </a:t>
+            </a:r>
+            <a:r>
+              <a:rPr lang="en-US" sz="3200" dirty="0" smtClean="0"/>
+              <a:t>optimize </a:t>
+            </a:r>
+            <a:r>
+              <a:rPr lang="en-US" sz="3200" dirty="0"/>
+              <a:t>materials design problem</a:t>
             </a:r>
           </a:p>
           <a:p>
@@ -4841,8 +4728,16 @@
             </a:r>
             <a:r>
               <a:rPr lang="en-US" sz="3200" dirty="0"/>
-              <a:t> cluster)</a:t>
-            </a:r>
+              <a:t> cluster</a:t>
+            </a:r>
+            <a:r>
+              <a:rPr lang="en-US" sz="3200" dirty="0" smtClean="0"/>
+              <a:t>); planning for 2000 particles @ 2 minutes</a:t>
+            </a:r>
+            <a:br>
+              <a:rPr lang="en-US" sz="3200" dirty="0" smtClean="0"/>
+            </a:br>
+            <a:endParaRPr lang="en-US" sz="3200" dirty="0"/>
           </a:p>
           <a:p>
             <a:pPr marL="457200" indent="-457200">
@@ -4876,7 +4771,22 @@
             </a:pPr>
             <a:r>
               <a:rPr lang="en-US" sz="3200" dirty="0"/>
-              <a:t>A Swift workflow orchestrates the search and distributes work across </a:t>
+              <a:t>A Swift workflow orchestrates the search </a:t>
+            </a:r>
+            <a:r>
+              <a:rPr lang="en-US" sz="3200" dirty="0"/>
+              <a:t/>
+            </a:r>
+            <a:br>
+              <a:rPr lang="en-US" sz="3200" dirty="0"/>
+            </a:br>
+            <a:r>
+              <a:rPr lang="en-US" sz="3200" dirty="0" smtClean="0"/>
+              <a:t>and </a:t>
+            </a:r>
+            <a:r>
+              <a:rPr lang="en-US" sz="3200" dirty="0"/>
+              <a:t>distributes work across </a:t>
             </a:r>
             <a:r>
               <a:rPr lang="en-US" sz="3200" dirty="0" smtClean="0"/>
@@ -4897,7 +4807,7 @@
             </a:pPr>
             <a:r>
               <a:rPr lang="en-US" sz="3200" dirty="0"/>
-              <a:t>The current workflow has been tested on </a:t>
+              <a:t>The current workflow has been tested </a:t>
             </a:r>
             <a:r>
               <a:rPr lang="en-US" sz="3200" dirty="0" smtClean="0"/>
@@ -4908,7 +4818,7 @@
             </a:br>
             <a:r>
               <a:rPr lang="en-US" sz="3200" dirty="0" smtClean="0"/>
-              <a:t>Midway </a:t>
+              <a:t>on Midway </a:t>
             </a:r>
             <a:r>
               <a:rPr lang="en-US" sz="3200" dirty="0"/>
@@ -4974,8 +4884,19 @@
             </a:pPr>
             <a:r>
               <a:rPr lang="en-US" sz="3200" dirty="0" smtClean="0"/>
-              <a:t>Evolutionary algorithms </a:t>
-            </a:r>
+              <a:t>Evolutionary </a:t>
+            </a:r>
+            <a:r>
+              <a:rPr lang="en-US" sz="3200" dirty="0" smtClean="0"/>
+              <a:t>algorithms</a:t>
+            </a:r>
+            <a:r>
+              <a:rPr lang="en-US" sz="3200" dirty="0"/>
+              <a:t/>
+            </a:r>
+            <a:br>
+              <a:rPr lang="en-US" sz="3200" dirty="0"/>
+            </a:br>
             <a:endParaRPr lang="en-US" sz="3200" dirty="0"/>
           </a:p>
           <a:p>
@@ -5006,8 +4927,16 @@
             </a:br>
             <a:r>
               <a:rPr lang="en-US" sz="3200" dirty="0"/>
-              <a:t>and iterates from there</a:t>
-            </a:r>
+              <a:t>and iterates from </a:t>
+            </a:r>
+            <a:r>
+              <a:rPr lang="en-US" sz="3200" dirty="0" smtClean="0"/>
+              <a:t>there</a:t>
+            </a:r>
+            <a:br>
+              <a:rPr lang="en-US" sz="3200" dirty="0" smtClean="0"/>
+            </a:br>
+            <a:endParaRPr lang="en-US" sz="3200" dirty="0"/>
           </a:p>
           <a:p>
             <a:pPr marL="457200" indent="-457200">
@@ -5029,9 +4958,13 @@
               <a:rPr lang="en-US" sz="3200" dirty="0"/>
             </a:br>
             <a:r>
-              <a:rPr lang="en-US" sz="3200" dirty="0"/>
+              <a:rPr lang="en-US" sz="3200" dirty="0" smtClean="0"/>
               <a:t>concurrency</a:t>
             </a:r>
+            <a:br>
+              <a:rPr lang="en-US" sz="3200" dirty="0" smtClean="0"/>
+            </a:br>
+            <a:endParaRPr lang="en-US" sz="3200" dirty="0"/>
           </a:p>
           <a:p>
             <a:pPr marL="457200" indent="-457200">
@@ -5083,8 +5016,8 @@
         </p:nvSpPr>
         <p:spPr>
           <a:xfrm>
-            <a:off x="13698906" y="26175219"/>
-            <a:ext cx="13535736" cy="8617744"/>
+            <a:off x="13720843" y="26898600"/>
+            <a:ext cx="13535736" cy="8125301"/>
           </a:xfrm>
           <a:prstGeom prst="rect">
             <a:avLst/>
@@ -5137,11 +5070,7 @@
             </a:r>
             <a:r>
               <a:rPr lang="en-US" sz="3000" dirty="0" smtClean="0"/>
-              <a:t>J</a:t>
-            </a:r>
-            <a:r>
-              <a:rPr lang="en-US" sz="3000" dirty="0" smtClean="0"/>
-              <a:t>. M</a:t>
+              <a:t>J. M</a:t>
             </a:r>
             <a:r>
               <a:rPr lang="en-US" sz="3000" dirty="0"/>
@@ -5196,11 +5125,7 @@
             </a:br>
             <a:r>
               <a:rPr lang="en-US" sz="3000" dirty="0" smtClean="0"/>
-              <a:t>Proc</a:t>
-            </a:r>
-            <a:r>
-              <a:rPr lang="en-US" sz="3000" dirty="0" smtClean="0"/>
-              <a:t>. CCGrid </a:t>
+              <a:t>Proc. CCGrid </a:t>
             </a:r>
             <a:r>
               <a:rPr lang="en-US" sz="3000" dirty="0"/>
@@ -5309,20 +5234,14 @@
               <a:rPr lang="en-US" sz="3200" dirty="0"/>
               <a:t>. </a:t>
             </a:r>
-            <a:br>
+            <a:r>
+              <a:rPr lang="en-US" sz="3200" dirty="0" smtClean="0"/>
+              <a:t> Proc</a:t>
+            </a:r>
+            <a:r>
               <a:rPr lang="en-US" sz="3200" dirty="0"/>
-            </a:br>
-            <a:r>
-              <a:rPr lang="en-US" sz="3200" dirty="0"/>
-              <a:t>Proc. High Performance Technical Computing in Dynamic Languages at </a:t>
-            </a:r>
-            <a:r>
-              <a:rPr lang="en-US" sz="3200" dirty="0" smtClean="0"/>
-              <a:t/>
-            </a:r>
-            <a:br>
-              <a:rPr lang="en-US" sz="3200" dirty="0" smtClean="0"/>
-            </a:br>
+              <a:t>. High Performance Technical Computing in Dynamic Languages at </a:t>
+            </a:r>
             <a:r>
               <a:rPr lang="en-US" sz="3200" dirty="0" smtClean="0"/>
               <a:t>SC </a:t>
@@ -5343,7 +5262,7 @@
         </p:nvGrpSpPr>
         <p:grpSpPr>
           <a:xfrm>
-            <a:off x="7924800" y="18155340"/>
+            <a:off x="7315200" y="18155340"/>
             <a:ext cx="1665531" cy="1480021"/>
             <a:chOff x="863065" y="3200017"/>
             <a:chExt cx="1933008" cy="1738987"/>
@@ -5520,24 +5439,7 @@
                   <a:ea typeface="+mn-ea"/>
                   <a:cs typeface="+mn-cs"/>
                 </a:rPr>
-                <a:t> </a:t>
-              </a:r>
-              <a:r>
-                <a:rPr kumimoji="0" lang="en-US" sz="1800" b="0" i="0" u="none" strike="noStrike" kern="0" cap="none" spc="0" normalizeH="0" baseline="0" noProof="0" dirty="0" smtClean="0">
-                  <a:ln>
-                    <a:noFill/>
-                  </a:ln>
-                  <a:solidFill>
-                    <a:srgbClr val="404040"/>
-                  </a:solidFill>
-                  <a:effectLst/>
-                  <a:uLnTx/>
-                  <a:uFillTx/>
-                  <a:latin typeface="Calibri"/>
-                  <a:ea typeface="+mn-ea"/>
-                  <a:cs typeface="+mn-cs"/>
-                </a:rPr>
-                <a:t>process</a:t>
+                <a:t> process</a:t>
               </a:r>
             </a:p>
           </p:txBody>
@@ -5622,7 +5524,7 @@
         </p:nvGrpSpPr>
         <p:grpSpPr>
           <a:xfrm>
-            <a:off x="9975024" y="18265494"/>
+            <a:off x="9365424" y="18265494"/>
             <a:ext cx="3207576" cy="2765705"/>
             <a:chOff x="3200400" y="3200400"/>
             <a:chExt cx="3581400" cy="3200400"/>
@@ -6233,7 +6135,7 @@
         </p:nvGrpSpPr>
         <p:grpSpPr>
           <a:xfrm>
-            <a:off x="9864868" y="18155340"/>
+            <a:off x="9255268" y="18155340"/>
             <a:ext cx="3241531" cy="2799660"/>
             <a:chOff x="3200400" y="3200400"/>
             <a:chExt cx="3581400" cy="3200400"/>
@@ -6808,7 +6710,7 @@
         </p:nvSpPr>
         <p:spPr>
           <a:xfrm>
-            <a:off x="9754715" y="18045184"/>
+            <a:off x="9145115" y="18045184"/>
             <a:ext cx="3270154" cy="2834605"/>
           </a:xfrm>
           <a:prstGeom prst="rect">
@@ -7041,7 +6943,7 @@
         </p:nvSpPr>
         <p:spPr>
           <a:xfrm>
-            <a:off x="10053230" y="18608682"/>
+            <a:off x="9443630" y="18608682"/>
             <a:ext cx="550772" cy="526643"/>
           </a:xfrm>
           <a:prstGeom prst="roundRect">
@@ -7109,7 +7011,7 @@
         </p:nvSpPr>
         <p:spPr>
           <a:xfrm>
-            <a:off x="10831583" y="18608682"/>
+            <a:off x="10221983" y="18608682"/>
             <a:ext cx="706089" cy="526643"/>
           </a:xfrm>
           <a:prstGeom prst="roundRect">
@@ -7177,7 +7079,7 @@
         </p:nvSpPr>
         <p:spPr>
           <a:xfrm>
-            <a:off x="11698982" y="18608682"/>
+            <a:off x="11089382" y="18608682"/>
             <a:ext cx="1200806" cy="526643"/>
           </a:xfrm>
           <a:prstGeom prst="roundRect">
@@ -7245,7 +7147,7 @@
         </p:nvGrpSpPr>
         <p:grpSpPr>
           <a:xfrm>
-            <a:off x="9239344" y="19257539"/>
+            <a:off x="8629744" y="19257539"/>
             <a:ext cx="895256" cy="612072"/>
             <a:chOff x="5123080" y="5559107"/>
             <a:chExt cx="796180" cy="612072"/>
@@ -7386,7 +7288,7 @@
         </p:nvSpPr>
         <p:spPr>
           <a:xfrm>
-            <a:off x="9754715" y="18139741"/>
+            <a:off x="9145115" y="18139741"/>
             <a:ext cx="3270154" cy="461665"/>
           </a:xfrm>
           <a:prstGeom prst="rect">
@@ -7436,7 +7338,7 @@
         </p:nvSpPr>
         <p:spPr>
           <a:xfrm>
-            <a:off x="9967650" y="19201807"/>
+            <a:off x="9358050" y="19201807"/>
             <a:ext cx="2979348" cy="1624636"/>
           </a:xfrm>
           <a:prstGeom prst="rect">
@@ -7496,7 +7398,7 @@
         </p:blipFill>
         <p:spPr bwMode="auto">
           <a:xfrm>
-            <a:off x="12115446" y="19267877"/>
+            <a:off x="11505846" y="19267877"/>
             <a:ext cx="764168" cy="1400721"/>
           </a:xfrm>
           <a:prstGeom prst="rect">
@@ -7530,7 +7432,7 @@
         </p:blipFill>
         <p:spPr bwMode="auto">
           <a:xfrm>
-            <a:off x="10034429" y="19392585"/>
+            <a:off x="9424829" y="19392585"/>
             <a:ext cx="862171" cy="1276013"/>
           </a:xfrm>
           <a:prstGeom prst="rect">
@@ -7571,7 +7473,7 @@
         </p:blipFill>
         <p:spPr bwMode="auto">
           <a:xfrm>
-            <a:off x="10972800" y="20020062"/>
+            <a:off x="10363200" y="20020062"/>
             <a:ext cx="1091910" cy="750338"/>
           </a:xfrm>
           <a:prstGeom prst="rect">
@@ -7612,7 +7514,7 @@
         </p:blipFill>
         <p:spPr bwMode="auto">
           <a:xfrm>
-            <a:off x="10972800" y="19269058"/>
+            <a:off x="10363200" y="19269058"/>
             <a:ext cx="1101606" cy="699179"/>
           </a:xfrm>
           <a:prstGeom prst="rect">
@@ -7638,7 +7540,7 @@
         </p:nvCxnSpPr>
         <p:spPr>
           <a:xfrm>
-            <a:off x="9144000" y="18897600"/>
+            <a:off x="8534400" y="18897600"/>
             <a:ext cx="823650" cy="0"/>
           </a:xfrm>
           <a:prstGeom prst="straightConnector1">
@@ -7667,7 +7569,7 @@
         </p:nvCxnSpPr>
         <p:spPr>
           <a:xfrm>
-            <a:off x="9144000" y="18745200"/>
+            <a:off x="8534400" y="18745200"/>
             <a:ext cx="838200" cy="0"/>
           </a:xfrm>
           <a:prstGeom prst="straightConnector1">
@@ -7696,7 +7598,7 @@
         </p:nvCxnSpPr>
         <p:spPr>
           <a:xfrm>
-            <a:off x="9144000" y="19050000"/>
+            <a:off x="8534400" y="19050000"/>
             <a:ext cx="823650" cy="0"/>
           </a:xfrm>
           <a:prstGeom prst="straightConnector1">
@@ -8008,504 +7910,13 @@
       </p:sp>
       <p:sp>
         <p:nvSpPr>
-          <p:cNvPr id="90" name="Rounded Rectangle 89"/>
-          <p:cNvSpPr/>
-          <p:nvPr/>
-        </p:nvSpPr>
-        <p:spPr>
-          <a:xfrm>
-            <a:off x="22268190" y="16992601"/>
-            <a:ext cx="3868410" cy="2068100"/>
-          </a:xfrm>
-          <a:prstGeom prst="roundRect">
-            <a:avLst/>
-          </a:prstGeom>
-          <a:solidFill>
-            <a:schemeClr val="tx1">
-              <a:lumMod val="20000"/>
-              <a:lumOff val="80000"/>
-            </a:schemeClr>
-          </a:solidFill>
-          <a:ln w="25400">
-            <a:solidFill>
-              <a:schemeClr val="tx1"/>
-            </a:solidFill>
-          </a:ln>
-          <a:effectLst/>
-        </p:spPr>
-        <p:style>
-          <a:lnRef idx="1">
-            <a:schemeClr val="accent1"/>
-          </a:lnRef>
-          <a:fillRef idx="3">
-            <a:schemeClr val="accent1"/>
-          </a:fillRef>
-          <a:effectRef idx="2">
-            <a:schemeClr val="accent1"/>
-          </a:effectRef>
-          <a:fontRef idx="minor">
-            <a:schemeClr val="lt1"/>
-          </a:fontRef>
-        </p:style>
-        <p:txBody>
-          <a:bodyPr rtlCol="0" anchor="ctr"/>
-          <a:lstStyle/>
-          <a:p>
-            <a:pPr algn="ctr"/>
-            <a:endParaRPr lang="en-US" dirty="0" smtClean="0"/>
-          </a:p>
-          <a:p>
-            <a:pPr algn="ctr"/>
-            <a:endParaRPr lang="en-US" dirty="0"/>
-          </a:p>
-          <a:p>
-            <a:pPr algn="ctr"/>
-            <a:endParaRPr lang="en-US" dirty="0" smtClean="0"/>
-          </a:p>
-          <a:p>
-            <a:pPr algn="ctr"/>
-            <a:endParaRPr lang="en-US" dirty="0"/>
-          </a:p>
-          <a:p>
-            <a:pPr algn="ctr"/>
-            <a:endParaRPr lang="en-US" b="1" dirty="0" smtClean="0"/>
-          </a:p>
-          <a:p>
-            <a:pPr algn="ctr"/>
-            <a:r>
-              <a:rPr lang="en-US" b="1" dirty="0" smtClean="0"/>
-              <a:t>Midway</a:t>
-            </a:r>
-            <a:endParaRPr lang="en-US" b="1" dirty="0"/>
-          </a:p>
-        </p:txBody>
-      </p:sp>
-      <p:sp>
-        <p:nvSpPr>
-          <p:cNvPr id="91" name="Rectangle 90"/>
-          <p:cNvSpPr/>
-          <p:nvPr/>
-        </p:nvSpPr>
-        <p:spPr>
-          <a:xfrm>
-            <a:off x="22712211" y="17297400"/>
-            <a:ext cx="2845274" cy="389614"/>
-          </a:xfrm>
-          <a:prstGeom prst="rect">
-            <a:avLst/>
-          </a:prstGeom>
-          <a:solidFill>
-            <a:schemeClr val="tx2"/>
-          </a:solidFill>
-          <a:ln>
-            <a:solidFill>
-              <a:srgbClr val="0B1F8F"/>
-            </a:solidFill>
-          </a:ln>
-          <a:effectLst/>
-        </p:spPr>
-        <p:style>
-          <a:lnRef idx="1">
-            <a:schemeClr val="accent1"/>
-          </a:lnRef>
-          <a:fillRef idx="3">
-            <a:schemeClr val="accent1"/>
-          </a:fillRef>
-          <a:effectRef idx="2">
-            <a:schemeClr val="accent1"/>
-          </a:effectRef>
-          <a:fontRef idx="minor">
-            <a:schemeClr val="lt1"/>
-          </a:fontRef>
-        </p:style>
-        <p:txBody>
-          <a:bodyPr rtlCol="0" anchor="ctr"/>
-          <a:lstStyle/>
-          <a:p>
-            <a:pPr algn="ctr"/>
-            <a:r>
-              <a:rPr lang="en-US" sz="2800" dirty="0" smtClean="0"/>
-              <a:t>Swift</a:t>
-            </a:r>
-            <a:endParaRPr lang="en-US" sz="2800" dirty="0"/>
-          </a:p>
-        </p:txBody>
-      </p:sp>
-      <p:sp>
-        <p:nvSpPr>
-          <p:cNvPr id="92" name="Rectangle 91"/>
-          <p:cNvSpPr/>
-          <p:nvPr/>
-        </p:nvSpPr>
-        <p:spPr>
-          <a:xfrm>
-            <a:off x="23544476" y="17836198"/>
-            <a:ext cx="747422" cy="381663"/>
-          </a:xfrm>
-          <a:prstGeom prst="rect">
-            <a:avLst/>
-          </a:prstGeom>
-          <a:solidFill>
-            <a:srgbClr val="00B050"/>
-          </a:solidFill>
-          <a:effectLst/>
-        </p:spPr>
-        <p:style>
-          <a:lnRef idx="1">
-            <a:schemeClr val="accent1"/>
-          </a:lnRef>
-          <a:fillRef idx="3">
-            <a:schemeClr val="accent1"/>
-          </a:fillRef>
-          <a:effectRef idx="2">
-            <a:schemeClr val="accent1"/>
-          </a:effectRef>
-          <a:fontRef idx="minor">
-            <a:schemeClr val="lt1"/>
-          </a:fontRef>
-        </p:style>
-        <p:txBody>
-          <a:bodyPr rtlCol="0" anchor="ctr"/>
-          <a:lstStyle/>
-          <a:p>
-            <a:pPr algn="ctr"/>
-            <a:r>
-              <a:rPr lang="en-US" sz="2800" dirty="0" err="1" smtClean="0"/>
-              <a:t>Py</a:t>
-            </a:r>
-            <a:endParaRPr lang="en-US" sz="2800" dirty="0"/>
-          </a:p>
-        </p:txBody>
-      </p:sp>
-      <p:sp>
-        <p:nvSpPr>
-          <p:cNvPr id="93" name="Rectangle 92"/>
-          <p:cNvSpPr/>
-          <p:nvPr/>
-        </p:nvSpPr>
-        <p:spPr>
-          <a:xfrm>
-            <a:off x="23544476" y="18217861"/>
-            <a:ext cx="747422" cy="381663"/>
-          </a:xfrm>
-          <a:prstGeom prst="rect">
-            <a:avLst/>
-          </a:prstGeom>
-          <a:solidFill>
-            <a:schemeClr val="bg1"/>
-          </a:solidFill>
-          <a:ln>
-            <a:solidFill>
-              <a:schemeClr val="tx1"/>
-            </a:solidFill>
-          </a:ln>
-          <a:effectLst/>
-        </p:spPr>
-        <p:style>
-          <a:lnRef idx="1">
-            <a:schemeClr val="accent1"/>
-          </a:lnRef>
-          <a:fillRef idx="3">
-            <a:schemeClr val="accent1"/>
-          </a:fillRef>
-          <a:effectRef idx="2">
-            <a:schemeClr val="accent1"/>
-          </a:effectRef>
-          <a:fontRef idx="minor">
-            <a:schemeClr val="lt1"/>
-          </a:fontRef>
-        </p:style>
-        <p:txBody>
-          <a:bodyPr rtlCol="0" anchor="ctr"/>
-          <a:lstStyle/>
-          <a:p>
-            <a:pPr algn="ctr"/>
-            <a:r>
-              <a:rPr lang="en-US" sz="2800" dirty="0" smtClean="0">
-                <a:solidFill>
-                  <a:srgbClr val="002060"/>
-                </a:solidFill>
-              </a:rPr>
-              <a:t>C++</a:t>
-            </a:r>
-            <a:endParaRPr lang="en-US" sz="2800" dirty="0">
-              <a:solidFill>
-                <a:srgbClr val="002060"/>
-              </a:solidFill>
-            </a:endParaRPr>
-          </a:p>
-        </p:txBody>
-      </p:sp>
-      <p:sp>
-        <p:nvSpPr>
-          <p:cNvPr id="94" name="Rectangle 93"/>
-          <p:cNvSpPr/>
-          <p:nvPr/>
-        </p:nvSpPr>
-        <p:spPr>
-          <a:xfrm>
-            <a:off x="24371410" y="17836198"/>
-            <a:ext cx="747422" cy="381663"/>
-          </a:xfrm>
-          <a:prstGeom prst="rect">
-            <a:avLst/>
-          </a:prstGeom>
-          <a:solidFill>
-            <a:srgbClr val="00B050"/>
-          </a:solidFill>
-          <a:effectLst/>
-        </p:spPr>
-        <p:style>
-          <a:lnRef idx="1">
-            <a:schemeClr val="accent1"/>
-          </a:lnRef>
-          <a:fillRef idx="3">
-            <a:schemeClr val="accent1"/>
-          </a:fillRef>
-          <a:effectRef idx="2">
-            <a:schemeClr val="accent1"/>
-          </a:effectRef>
-          <a:fontRef idx="minor">
-            <a:schemeClr val="lt1"/>
-          </a:fontRef>
-        </p:style>
-        <p:txBody>
-          <a:bodyPr rtlCol="0" anchor="ctr"/>
-          <a:lstStyle/>
-          <a:p>
-            <a:pPr algn="ctr"/>
-            <a:r>
-              <a:rPr lang="en-US" sz="2800" dirty="0" err="1" smtClean="0"/>
-              <a:t>Py</a:t>
-            </a:r>
-            <a:endParaRPr lang="en-US" sz="2800" dirty="0"/>
-          </a:p>
-        </p:txBody>
-      </p:sp>
-      <p:sp>
-        <p:nvSpPr>
-          <p:cNvPr id="95" name="Rectangle 94"/>
-          <p:cNvSpPr/>
-          <p:nvPr/>
-        </p:nvSpPr>
-        <p:spPr>
-          <a:xfrm>
-            <a:off x="24371410" y="18217860"/>
-            <a:ext cx="747422" cy="381663"/>
-          </a:xfrm>
-          <a:prstGeom prst="rect">
-            <a:avLst/>
-          </a:prstGeom>
-          <a:solidFill>
-            <a:schemeClr val="bg1"/>
-          </a:solidFill>
-          <a:ln>
-            <a:solidFill>
-              <a:schemeClr val="tx1"/>
-            </a:solidFill>
-          </a:ln>
-          <a:effectLst/>
-        </p:spPr>
-        <p:style>
-          <a:lnRef idx="1">
-            <a:schemeClr val="accent1"/>
-          </a:lnRef>
-          <a:fillRef idx="3">
-            <a:schemeClr val="accent1"/>
-          </a:fillRef>
-          <a:effectRef idx="2">
-            <a:schemeClr val="accent1"/>
-          </a:effectRef>
-          <a:fontRef idx="minor">
-            <a:schemeClr val="lt1"/>
-          </a:fontRef>
-        </p:style>
-        <p:txBody>
-          <a:bodyPr rtlCol="0" anchor="ctr"/>
-          <a:lstStyle/>
-          <a:p>
-            <a:pPr algn="ctr"/>
-            <a:r>
-              <a:rPr lang="en-US" sz="2800" dirty="0" smtClean="0">
-                <a:solidFill>
-                  <a:srgbClr val="002060"/>
-                </a:solidFill>
-              </a:rPr>
-              <a:t>C++</a:t>
-            </a:r>
-            <a:endParaRPr lang="en-US" sz="2800" dirty="0">
-              <a:solidFill>
-                <a:srgbClr val="002060"/>
-              </a:solidFill>
-            </a:endParaRPr>
-          </a:p>
-        </p:txBody>
-      </p:sp>
-      <p:sp>
-        <p:nvSpPr>
-          <p:cNvPr id="96" name="Oval 95"/>
-          <p:cNvSpPr/>
-          <p:nvPr/>
-        </p:nvSpPr>
-        <p:spPr>
-          <a:xfrm>
-            <a:off x="25297268" y="18160822"/>
-            <a:ext cx="103809" cy="99392"/>
-          </a:xfrm>
-          <a:prstGeom prst="ellipse">
-            <a:avLst/>
-          </a:prstGeom>
-          <a:solidFill>
-            <a:srgbClr val="000000"/>
-          </a:solidFill>
-          <a:ln>
-            <a:solidFill>
-              <a:schemeClr val="bg1"/>
-            </a:solidFill>
-          </a:ln>
-          <a:effectLst/>
-        </p:spPr>
-        <p:style>
-          <a:lnRef idx="1">
-            <a:schemeClr val="accent1"/>
-          </a:lnRef>
-          <a:fillRef idx="3">
-            <a:schemeClr val="accent1"/>
-          </a:fillRef>
-          <a:effectRef idx="2">
-            <a:schemeClr val="accent1"/>
-          </a:effectRef>
-          <a:fontRef idx="minor">
-            <a:schemeClr val="lt1"/>
-          </a:fontRef>
-        </p:style>
-        <p:txBody>
-          <a:bodyPr rot="0" spcFirstLastPara="0" vertOverflow="overflow" horzOverflow="overflow" vert="horz" wrap="square" lIns="91440" tIns="45720" rIns="91440" bIns="45720" numCol="1" spcCol="0" rtlCol="0" fromWordArt="0" anchor="ctr" anchorCtr="0" forceAA="0" compatLnSpc="1">
-            <a:prstTxWarp prst="textNoShape">
-              <a:avLst/>
-            </a:prstTxWarp>
-            <a:noAutofit/>
-          </a:bodyPr>
-          <a:lstStyle/>
-          <a:p>
-            <a:pPr algn="ctr"/>
-            <a:endParaRPr lang="en-US" baseline="-25000" dirty="0" smtClean="0"/>
-          </a:p>
-        </p:txBody>
-      </p:sp>
-      <p:sp>
-        <p:nvSpPr>
-          <p:cNvPr id="97" name="Oval 96"/>
-          <p:cNvSpPr/>
-          <p:nvPr/>
-        </p:nvSpPr>
-        <p:spPr>
-          <a:xfrm>
-            <a:off x="25493731" y="18158682"/>
-            <a:ext cx="103809" cy="99392"/>
-          </a:xfrm>
-          <a:prstGeom prst="ellipse">
-            <a:avLst/>
-          </a:prstGeom>
-          <a:solidFill>
-            <a:srgbClr val="000000"/>
-          </a:solidFill>
-          <a:ln>
-            <a:solidFill>
-              <a:schemeClr val="bg1"/>
-            </a:solidFill>
-          </a:ln>
-          <a:effectLst/>
-        </p:spPr>
-        <p:style>
-          <a:lnRef idx="1">
-            <a:schemeClr val="accent1"/>
-          </a:lnRef>
-          <a:fillRef idx="3">
-            <a:schemeClr val="accent1"/>
-          </a:fillRef>
-          <a:effectRef idx="2">
-            <a:schemeClr val="accent1"/>
-          </a:effectRef>
-          <a:fontRef idx="minor">
-            <a:schemeClr val="lt1"/>
-          </a:fontRef>
-        </p:style>
-        <p:txBody>
-          <a:bodyPr rot="0" spcFirstLastPara="0" vertOverflow="overflow" horzOverflow="overflow" vert="horz" wrap="square" lIns="91440" tIns="45720" rIns="91440" bIns="45720" numCol="1" spcCol="0" rtlCol="0" fromWordArt="0" anchor="ctr" anchorCtr="0" forceAA="0" compatLnSpc="1">
-            <a:prstTxWarp prst="textNoShape">
-              <a:avLst/>
-            </a:prstTxWarp>
-            <a:noAutofit/>
-          </a:bodyPr>
-          <a:lstStyle/>
-          <a:p>
-            <a:pPr algn="ctr"/>
-            <a:endParaRPr lang="en-US" baseline="-25000" dirty="0" smtClean="0"/>
-          </a:p>
-        </p:txBody>
-      </p:sp>
-      <p:sp>
-        <p:nvSpPr>
-          <p:cNvPr id="98" name="Oval 97"/>
-          <p:cNvSpPr/>
-          <p:nvPr/>
-        </p:nvSpPr>
-        <p:spPr>
-          <a:xfrm>
-            <a:off x="25694143" y="18158682"/>
-            <a:ext cx="103809" cy="99392"/>
-          </a:xfrm>
-          <a:prstGeom prst="ellipse">
-            <a:avLst/>
-          </a:prstGeom>
-          <a:solidFill>
-            <a:srgbClr val="000000"/>
-          </a:solidFill>
-          <a:ln>
-            <a:solidFill>
-              <a:schemeClr val="bg1"/>
-            </a:solidFill>
-          </a:ln>
-          <a:effectLst/>
-        </p:spPr>
-        <p:style>
-          <a:lnRef idx="1">
-            <a:schemeClr val="accent1"/>
-          </a:lnRef>
-          <a:fillRef idx="3">
-            <a:schemeClr val="accent1"/>
-          </a:fillRef>
-          <a:effectRef idx="2">
-            <a:schemeClr val="accent1"/>
-          </a:effectRef>
-          <a:fontRef idx="minor">
-            <a:schemeClr val="lt1"/>
-          </a:fontRef>
-        </p:style>
-        <p:txBody>
-          <a:bodyPr rot="0" spcFirstLastPara="0" vertOverflow="overflow" horzOverflow="overflow" vert="horz" wrap="square" lIns="91440" tIns="45720" rIns="91440" bIns="45720" numCol="1" spcCol="0" rtlCol="0" fromWordArt="0" anchor="ctr" anchorCtr="0" forceAA="0" compatLnSpc="1">
-            <a:prstTxWarp prst="textNoShape">
-              <a:avLst/>
-            </a:prstTxWarp>
-            <a:noAutofit/>
-          </a:bodyPr>
-          <a:lstStyle/>
-          <a:p>
-            <a:pPr algn="ctr"/>
-            <a:endParaRPr lang="en-US" baseline="-25000" dirty="0" smtClean="0"/>
-          </a:p>
-        </p:txBody>
-      </p:sp>
-      <p:sp>
-        <p:nvSpPr>
           <p:cNvPr id="99" name="Rounded Rectangle 98"/>
           <p:cNvSpPr/>
           <p:nvPr/>
         </p:nvSpPr>
         <p:spPr>
           <a:xfrm>
-            <a:off x="22976959" y="19426081"/>
+            <a:off x="22976959" y="21254881"/>
             <a:ext cx="2660101" cy="769223"/>
           </a:xfrm>
           <a:prstGeom prst="roundRect">
@@ -8560,7 +7971,7 @@
         </p:nvSpPr>
         <p:spPr>
           <a:xfrm>
-            <a:off x="20466774" y="19426081"/>
+            <a:off x="20466774" y="21254881"/>
             <a:ext cx="1905000" cy="769224"/>
           </a:xfrm>
           <a:prstGeom prst="roundRect">
@@ -8615,7 +8026,7 @@
         </p:nvSpPr>
         <p:spPr>
           <a:xfrm>
-            <a:off x="22976959" y="21895371"/>
+            <a:off x="22976959" y="23724171"/>
             <a:ext cx="2567597" cy="964629"/>
           </a:xfrm>
           <a:prstGeom prst="roundRect">
@@ -8673,7 +8084,7 @@
         </p:nvCxnSpPr>
         <p:spPr>
           <a:xfrm>
-            <a:off x="22371774" y="19810693"/>
+            <a:off x="22371774" y="21639493"/>
             <a:ext cx="605185" cy="0"/>
           </a:xfrm>
           <a:prstGeom prst="straightConnector1">
@@ -8713,7 +8124,7 @@
         </p:nvCxnSpPr>
         <p:spPr>
           <a:xfrm flipH="1">
-            <a:off x="23245490" y="20195304"/>
+            <a:off x="23245490" y="22024104"/>
             <a:ext cx="1061520" cy="558660"/>
           </a:xfrm>
           <a:prstGeom prst="straightConnector1">
@@ -8753,7 +8164,7 @@
         </p:nvCxnSpPr>
         <p:spPr>
           <a:xfrm flipH="1">
-            <a:off x="23854723" y="20195304"/>
+            <a:off x="23854723" y="22024104"/>
             <a:ext cx="452287" cy="558660"/>
           </a:xfrm>
           <a:prstGeom prst="straightConnector1">
@@ -8793,7 +8204,7 @@
         </p:nvCxnSpPr>
         <p:spPr>
           <a:xfrm>
-            <a:off x="24307010" y="20195304"/>
+            <a:off x="24307010" y="22024104"/>
             <a:ext cx="178941" cy="558660"/>
           </a:xfrm>
           <a:prstGeom prst="straightConnector1">
@@ -8830,7 +8241,7 @@
         </p:nvCxnSpPr>
         <p:spPr>
           <a:xfrm flipH="1">
-            <a:off x="24485951" y="21354177"/>
+            <a:off x="24485951" y="23182977"/>
             <a:ext cx="68239" cy="541194"/>
           </a:xfrm>
           <a:prstGeom prst="straightConnector1">
@@ -8867,7 +8278,7 @@
         </p:nvCxnSpPr>
         <p:spPr>
           <a:xfrm>
-            <a:off x="23182590" y="21306343"/>
+            <a:off x="23182590" y="23135143"/>
             <a:ext cx="735597" cy="589028"/>
           </a:xfrm>
           <a:prstGeom prst="straightConnector1">
@@ -8904,7 +8315,7 @@
         </p:nvCxnSpPr>
         <p:spPr>
           <a:xfrm>
-            <a:off x="23854723" y="21277870"/>
+            <a:off x="23854723" y="23106670"/>
             <a:ext cx="406034" cy="617501"/>
           </a:xfrm>
           <a:prstGeom prst="straightConnector1">
@@ -8955,7 +8366,7 @@
         </p:blipFill>
         <p:spPr>
           <a:xfrm>
-            <a:off x="23544475" y="20753964"/>
+            <a:off x="23544475" y="22582764"/>
             <a:ext cx="620496" cy="720576"/>
           </a:xfrm>
           <a:prstGeom prst="rect">
@@ -8985,7 +8396,7 @@
         </p:blipFill>
         <p:spPr>
           <a:xfrm>
-            <a:off x="24175703" y="20753964"/>
+            <a:off x="24175703" y="22582764"/>
             <a:ext cx="620496" cy="720576"/>
           </a:xfrm>
           <a:prstGeom prst="rect">
@@ -9015,7 +8426,7 @@
         </p:blipFill>
         <p:spPr>
           <a:xfrm>
-            <a:off x="22935242" y="20753964"/>
+            <a:off x="22935242" y="22582764"/>
             <a:ext cx="620496" cy="720576"/>
           </a:xfrm>
           <a:prstGeom prst="rect">
@@ -9034,7 +8445,7 @@
         </p:nvCxnSpPr>
         <p:spPr>
           <a:xfrm flipV="1">
-            <a:off x="25544556" y="19810693"/>
+            <a:off x="25544556" y="21639493"/>
             <a:ext cx="92504" cy="2566993"/>
           </a:xfrm>
           <a:prstGeom prst="bentConnector3">
@@ -9067,118 +8478,13 @@
       </p:cxnSp>
       <p:sp>
         <p:nvSpPr>
-          <p:cNvPr id="136" name="Rectangle 135"/>
-          <p:cNvSpPr/>
-          <p:nvPr/>
-        </p:nvSpPr>
-        <p:spPr>
-          <a:xfrm>
-            <a:off x="22712210" y="17826715"/>
-            <a:ext cx="747422" cy="381663"/>
-          </a:xfrm>
-          <a:prstGeom prst="rect">
-            <a:avLst/>
-          </a:prstGeom>
-          <a:solidFill>
-            <a:srgbClr val="00B050"/>
-          </a:solidFill>
-          <a:effectLst/>
-        </p:spPr>
-        <p:style>
-          <a:lnRef idx="1">
-            <a:schemeClr val="accent1"/>
-          </a:lnRef>
-          <a:fillRef idx="3">
-            <a:schemeClr val="accent1"/>
-          </a:fillRef>
-          <a:effectRef idx="2">
-            <a:schemeClr val="accent1"/>
-          </a:effectRef>
-          <a:fontRef idx="minor">
-            <a:schemeClr val="lt1"/>
-          </a:fontRef>
-        </p:style>
-        <p:txBody>
-          <a:bodyPr rtlCol="0" anchor="ctr"/>
-          <a:lstStyle/>
-          <a:p>
-            <a:pPr algn="ctr"/>
-            <a:r>
-              <a:rPr lang="en-US" sz="2800" dirty="0" err="1" smtClean="0"/>
-              <a:t>Py</a:t>
-            </a:r>
-            <a:endParaRPr lang="en-US" sz="2800" dirty="0"/>
-          </a:p>
-        </p:txBody>
-      </p:sp>
-      <p:sp>
-        <p:nvSpPr>
-          <p:cNvPr id="137" name="Rectangle 136"/>
-          <p:cNvSpPr/>
-          <p:nvPr/>
-        </p:nvSpPr>
-        <p:spPr>
-          <a:xfrm>
-            <a:off x="22712210" y="18208378"/>
-            <a:ext cx="747422" cy="381663"/>
-          </a:xfrm>
-          <a:prstGeom prst="rect">
-            <a:avLst/>
-          </a:prstGeom>
-          <a:solidFill>
-            <a:schemeClr val="bg1"/>
-          </a:solidFill>
-          <a:ln>
-            <a:solidFill>
-              <a:schemeClr val="tx1"/>
-            </a:solidFill>
-          </a:ln>
-          <a:effectLst/>
-        </p:spPr>
-        <p:style>
-          <a:lnRef idx="1">
-            <a:schemeClr val="accent1"/>
-          </a:lnRef>
-          <a:fillRef idx="3">
-            <a:schemeClr val="accent1"/>
-          </a:fillRef>
-          <a:effectRef idx="2">
-            <a:schemeClr val="accent1"/>
-          </a:effectRef>
-          <a:fontRef idx="minor">
-            <a:schemeClr val="lt1"/>
-          </a:fontRef>
-        </p:style>
-        <p:txBody>
-          <a:bodyPr rtlCol="0" anchor="ctr"/>
-          <a:lstStyle/>
-          <a:p>
-            <a:pPr algn="ctr"/>
-            <a:r>
-              <a:rPr lang="en-US" sz="2800" dirty="0" smtClean="0">
-                <a:solidFill>
-                  <a:srgbClr val="002060"/>
-                </a:solidFill>
-              </a:rPr>
-              <a:t>C++</a:t>
-            </a:r>
-            <a:endParaRPr lang="en-US" sz="2800" dirty="0">
-              <a:solidFill>
-                <a:srgbClr val="002060"/>
-              </a:solidFill>
-            </a:endParaRPr>
-          </a:p>
-        </p:txBody>
-      </p:sp>
-      <p:sp>
-        <p:nvSpPr>
           <p:cNvPr id="139" name="Oval 138"/>
           <p:cNvSpPr/>
           <p:nvPr/>
         </p:nvSpPr>
         <p:spPr>
           <a:xfrm>
-            <a:off x="24948984" y="21019273"/>
+            <a:off x="24948984" y="22848073"/>
             <a:ext cx="103809" cy="99392"/>
           </a:xfrm>
           <a:prstGeom prst="ellipse">
@@ -9230,7 +8536,7 @@
         </p:nvSpPr>
         <p:spPr>
           <a:xfrm>
-            <a:off x="25145447" y="21017133"/>
+            <a:off x="25145447" y="22845933"/>
             <a:ext cx="103809" cy="99392"/>
           </a:xfrm>
           <a:prstGeom prst="ellipse">
@@ -9282,7 +8588,7 @@
         </p:nvSpPr>
         <p:spPr>
           <a:xfrm>
-            <a:off x="25345859" y="21017133"/>
+            <a:off x="25345859" y="22845933"/>
             <a:ext cx="103809" cy="99392"/>
           </a:xfrm>
           <a:prstGeom prst="ellipse">
@@ -9323,6 +8629,107 @@
           <a:p>
             <a:pPr algn="ctr"/>
             <a:endParaRPr lang="en-US" baseline="-25000" dirty="0" smtClean="0"/>
+          </a:p>
+        </p:txBody>
+      </p:sp>
+      <p:pic>
+        <p:nvPicPr>
+          <p:cNvPr id="2" name="Picture 2" descr="C:\cygwin\home\wozniak\proj\Workflows\reports\2016\SAB\auxetic.png"/>
+          <p:cNvPicPr>
+            <a:picLocks noChangeAspect="1" noChangeArrowheads="1"/>
+          </p:cNvPicPr>
+          <p:nvPr/>
+        </p:nvPicPr>
+        <p:blipFill>
+          <a:blip r:embed="rId13">
+            <a:extLst>
+              <a:ext uri="{28A0092B-C50C-407E-A947-70E740481C1C}">
+                <a14:useLocalDpi xmlns:a14="http://schemas.microsoft.com/office/drawing/2010/main" val="0"/>
+              </a:ext>
+            </a:extLst>
+          </a:blip>
+          <a:srcRect/>
+          <a:stretch>
+            <a:fillRect/>
+          </a:stretch>
+        </p:blipFill>
+        <p:spPr bwMode="auto">
+          <a:xfrm>
+            <a:off x="22110150" y="15490026"/>
+            <a:ext cx="4301213" cy="4128621"/>
+          </a:xfrm>
+          <a:prstGeom prst="rect">
+            <a:avLst/>
+          </a:prstGeom>
+          <a:noFill/>
+          <a:extLst>
+            <a:ext uri="{909E8E84-426E-40DD-AFC4-6F175D3DCCD1}">
+              <a14:hiddenFill xmlns:a14="http://schemas.microsoft.com/office/drawing/2010/main">
+                <a:solidFill>
+                  <a:srgbClr val="FFFFFF"/>
+                </a:solidFill>
+              </a14:hiddenFill>
+            </a:ext>
+          </a:extLst>
+        </p:spPr>
+      </p:pic>
+      <p:sp>
+        <p:nvSpPr>
+          <p:cNvPr id="3" name="TextBox 2"/>
+          <p:cNvSpPr txBox="1"/>
+          <p:nvPr/>
+        </p:nvSpPr>
+        <p:spPr>
+          <a:xfrm>
+            <a:off x="23002359" y="19670792"/>
+            <a:ext cx="2845202" cy="584775"/>
+          </a:xfrm>
+          <a:prstGeom prst="rect">
+            <a:avLst/>
+          </a:prstGeom>
+          <a:noFill/>
+        </p:spPr>
+        <p:txBody>
+          <a:bodyPr wrap="none" rtlCol="0">
+            <a:spAutoFit/>
+          </a:bodyPr>
+          <a:lstStyle/>
+          <a:p>
+            <a:r>
+              <a:rPr lang="en-US" sz="3200" dirty="0" smtClean="0"/>
+              <a:t>Example system</a:t>
+            </a:r>
+            <a:endParaRPr lang="en-US" sz="3200" dirty="0"/>
+          </a:p>
+        </p:txBody>
+      </p:sp>
+      <p:sp>
+        <p:nvSpPr>
+          <p:cNvPr id="101" name="TextBox 100"/>
+          <p:cNvSpPr txBox="1"/>
+          <p:nvPr/>
+        </p:nvSpPr>
+        <p:spPr>
+          <a:xfrm>
+            <a:off x="21980817" y="24789825"/>
+            <a:ext cx="3260829" cy="584775"/>
+          </a:xfrm>
+          <a:prstGeom prst="rect">
+            <a:avLst/>
+          </a:prstGeom>
+          <a:noFill/>
+        </p:spPr>
+        <p:txBody>
+          <a:bodyPr wrap="none" rtlCol="0">
+            <a:spAutoFit/>
+          </a:bodyPr>
+          <a:lstStyle/>
+          <a:p>
+            <a:r>
+              <a:rPr lang="en-US" sz="3200" dirty="0" smtClean="0"/>
+              <a:t>Workflow diagram</a:t>
+            </a:r>
+            <a:endParaRPr lang="en-US" sz="3200" dirty="0"/>
           </a:p>
         </p:txBody>
       </p:sp>
